--- a/weekly_report/group5/report_group5_week5.pptx
+++ b/weekly_report/group5/report_group5_week5.pptx
@@ -115,14 +115,21 @@
   </p:defaultTextStyle>
   <p:extLst>
     <p:ext uri="{EFAFB233-063F-42B5-8137-9DF3F51BA10A}">
-      <p15:sldGuideLst xmlns="" xmlns:p15="http://schemas.microsoft.com/office/powerpoint/2012/main"/>
+      <p15:sldGuideLst xmlns:p15="http://schemas.microsoft.com/office/powerpoint/2012/main">
+        <p15:guide id="1" orient="horz" pos="2160">
+          <p15:clr>
+            <a:srgbClr val="A4A3A4"/>
+          </p15:clr>
+        </p15:guide>
+        <p15:guide id="2" pos="3840">
+          <p15:clr>
+            <a:srgbClr val="A4A3A4"/>
+          </p15:clr>
+        </p15:guide>
+      </p15:sldGuideLst>
     </p:ext>
   </p:extLst>
 </p:presentation>
-</file>
-
-<file path=ppt/revisionInfo.xml><?xml version="1.0" encoding="utf-8"?>
-<p1510:revInfo xmlns:a="http://schemas.openxmlformats.org/drawingml/2006/main" xmlns:r="http://schemas.openxmlformats.org/officeDocument/2006/relationships" xmlns:p1510="http://schemas.microsoft.com/office/powerpoint/2015/10/main"/>
 </file>
 
 <file path=ppt/diagrams/colors1.xml><?xml version="1.0" encoding="utf-8"?>
@@ -1005,13 +1012,6 @@
         </dgm:presLayoutVars>
       </dgm:prSet>
       <dgm:spPr/>
-      <dgm:t>
-        <a:bodyPr/>
-        <a:lstStyle/>
-        <a:p>
-          <a:endParaRPr lang="zh-CN" altLang="en-US"/>
-        </a:p>
-      </dgm:t>
     </dgm:pt>
     <dgm:pt modelId="{50862458-5BC7-439C-BC7A-DAD09D3000BC}" type="pres">
       <dgm:prSet presAssocID="{616770AD-C635-4E0F-8D61-F36489CC932D}" presName="node" presStyleLbl="node1" presStyleIdx="0" presStyleCnt="3" custRadScaleRad="96450" custRadScaleInc="-1193">
@@ -1020,35 +1020,14 @@
         </dgm:presLayoutVars>
       </dgm:prSet>
       <dgm:spPr/>
-      <dgm:t>
-        <a:bodyPr/>
-        <a:lstStyle/>
-        <a:p>
-          <a:endParaRPr lang="zh-CN" altLang="en-US"/>
-        </a:p>
-      </dgm:t>
     </dgm:pt>
     <dgm:pt modelId="{40B9F26D-EF78-4021-ADAD-B2DA2989E4DC}" type="pres">
       <dgm:prSet presAssocID="{1E62CD41-EC01-418C-90BE-E31F30EDD9E8}" presName="sibTrans" presStyleLbl="sibTrans2D1" presStyleIdx="0" presStyleCnt="3"/>
       <dgm:spPr/>
-      <dgm:t>
-        <a:bodyPr/>
-        <a:lstStyle/>
-        <a:p>
-          <a:endParaRPr lang="zh-CN" altLang="en-US"/>
-        </a:p>
-      </dgm:t>
     </dgm:pt>
     <dgm:pt modelId="{6189A33A-4068-4F0F-B745-1AB05232C0D5}" type="pres">
       <dgm:prSet presAssocID="{1E62CD41-EC01-418C-90BE-E31F30EDD9E8}" presName="connectorText" presStyleLbl="sibTrans2D1" presStyleIdx="0" presStyleCnt="3"/>
       <dgm:spPr/>
-      <dgm:t>
-        <a:bodyPr/>
-        <a:lstStyle/>
-        <a:p>
-          <a:endParaRPr lang="zh-CN" altLang="en-US"/>
-        </a:p>
-      </dgm:t>
     </dgm:pt>
     <dgm:pt modelId="{AFA1E341-19E5-4FED-83E7-6F45154C62D8}" type="pres">
       <dgm:prSet presAssocID="{EFBB782F-B8E8-4FA8-A272-9E6B712DBE8A}" presName="node" presStyleLbl="node1" presStyleIdx="1" presStyleCnt="3">
@@ -1057,35 +1036,14 @@
         </dgm:presLayoutVars>
       </dgm:prSet>
       <dgm:spPr/>
-      <dgm:t>
-        <a:bodyPr/>
-        <a:lstStyle/>
-        <a:p>
-          <a:endParaRPr lang="zh-CN" altLang="en-US"/>
-        </a:p>
-      </dgm:t>
     </dgm:pt>
     <dgm:pt modelId="{C1C4728B-1354-466A-900D-A128CDF6F09C}" type="pres">
       <dgm:prSet presAssocID="{E6D03229-D29A-46BA-8963-175347BECBC1}" presName="sibTrans" presStyleLbl="sibTrans2D1" presStyleIdx="1" presStyleCnt="3"/>
       <dgm:spPr/>
-      <dgm:t>
-        <a:bodyPr/>
-        <a:lstStyle/>
-        <a:p>
-          <a:endParaRPr lang="zh-CN" altLang="en-US"/>
-        </a:p>
-      </dgm:t>
     </dgm:pt>
     <dgm:pt modelId="{B165D22A-A333-47CE-9CD7-0712262F8AED}" type="pres">
       <dgm:prSet presAssocID="{E6D03229-D29A-46BA-8963-175347BECBC1}" presName="connectorText" presStyleLbl="sibTrans2D1" presStyleIdx="1" presStyleCnt="3"/>
       <dgm:spPr/>
-      <dgm:t>
-        <a:bodyPr/>
-        <a:lstStyle/>
-        <a:p>
-          <a:endParaRPr lang="zh-CN" altLang="en-US"/>
-        </a:p>
-      </dgm:t>
     </dgm:pt>
     <dgm:pt modelId="{7AD93F0A-92D2-43AE-A7BC-AA243D482C79}" type="pres">
       <dgm:prSet presAssocID="{92FD4F9C-054A-4E9B-A2D0-D6A438B4BE65}" presName="node" presStyleLbl="node1" presStyleIdx="2" presStyleCnt="3">
@@ -1094,51 +1052,30 @@
         </dgm:presLayoutVars>
       </dgm:prSet>
       <dgm:spPr/>
-      <dgm:t>
-        <a:bodyPr/>
-        <a:lstStyle/>
-        <a:p>
-          <a:endParaRPr lang="zh-CN" altLang="en-US"/>
-        </a:p>
-      </dgm:t>
     </dgm:pt>
     <dgm:pt modelId="{8778F986-43C0-401C-952F-46736B0561CF}" type="pres">
       <dgm:prSet presAssocID="{2C5D6EB2-0CF5-4D83-9B21-1416A58A4631}" presName="sibTrans" presStyleLbl="sibTrans2D1" presStyleIdx="2" presStyleCnt="3"/>
       <dgm:spPr/>
-      <dgm:t>
-        <a:bodyPr/>
-        <a:lstStyle/>
-        <a:p>
-          <a:endParaRPr lang="zh-CN" altLang="en-US"/>
-        </a:p>
-      </dgm:t>
     </dgm:pt>
     <dgm:pt modelId="{638190FB-7C55-4C3F-9936-2B8F2C06625E}" type="pres">
       <dgm:prSet presAssocID="{2C5D6EB2-0CF5-4D83-9B21-1416A58A4631}" presName="connectorText" presStyleLbl="sibTrans2D1" presStyleIdx="2" presStyleCnt="3"/>
       <dgm:spPr/>
-      <dgm:t>
-        <a:bodyPr/>
-        <a:lstStyle/>
-        <a:p>
-          <a:endParaRPr lang="zh-CN" altLang="en-US"/>
-        </a:p>
-      </dgm:t>
     </dgm:pt>
   </dgm:ptLst>
   <dgm:cxnLst>
-    <dgm:cxn modelId="{08E93693-63D6-4E98-8BBB-8E818DC1B9E5}" type="presOf" srcId="{92FD4F9C-054A-4E9B-A2D0-D6A438B4BE65}" destId="{7AD93F0A-92D2-43AE-A7BC-AA243D482C79}" srcOrd="0" destOrd="0" presId="urn:microsoft.com/office/officeart/2005/8/layout/cycle2"/>
+    <dgm:cxn modelId="{E8C1710A-2DA6-4D2D-9E62-95879C105073}" type="presOf" srcId="{1E62CD41-EC01-418C-90BE-E31F30EDD9E8}" destId="{40B9F26D-EF78-4021-ADAD-B2DA2989E4DC}" srcOrd="0" destOrd="0" presId="urn:microsoft.com/office/officeart/2005/8/layout/cycle2"/>
     <dgm:cxn modelId="{BD139719-993A-408A-9E60-ECA6A1F04B88}" type="presOf" srcId="{E6D03229-D29A-46BA-8963-175347BECBC1}" destId="{C1C4728B-1354-466A-900D-A128CDF6F09C}" srcOrd="0" destOrd="0" presId="urn:microsoft.com/office/officeart/2005/8/layout/cycle2"/>
     <dgm:cxn modelId="{DBBA052A-329B-4543-BE41-67C9FAA338B3}" type="presOf" srcId="{2C5D6EB2-0CF5-4D83-9B21-1416A58A4631}" destId="{8778F986-43C0-401C-952F-46736B0561CF}" srcOrd="0" destOrd="0" presId="urn:microsoft.com/office/officeart/2005/8/layout/cycle2"/>
-    <dgm:cxn modelId="{785A86ED-928A-4947-AB4A-3466D5AABBA2}" type="presOf" srcId="{E6D03229-D29A-46BA-8963-175347BECBC1}" destId="{B165D22A-A333-47CE-9CD7-0712262F8AED}" srcOrd="1" destOrd="0" presId="urn:microsoft.com/office/officeart/2005/8/layout/cycle2"/>
     <dgm:cxn modelId="{FF14B234-5E73-4860-9AE1-104C3B2992DA}" srcId="{84D7D0E4-2D8A-497E-B748-90A90281DDDF}" destId="{92FD4F9C-054A-4E9B-A2D0-D6A438B4BE65}" srcOrd="2" destOrd="0" parTransId="{D06D8005-08A3-4580-9087-1FB4041E9E07}" sibTransId="{2C5D6EB2-0CF5-4D83-9B21-1416A58A4631}"/>
+    <dgm:cxn modelId="{5C3B2D39-D85D-431D-B171-C4890E7A0A93}" type="presOf" srcId="{1E62CD41-EC01-418C-90BE-E31F30EDD9E8}" destId="{6189A33A-4068-4F0F-B745-1AB05232C0D5}" srcOrd="1" destOrd="0" presId="urn:microsoft.com/office/officeart/2005/8/layout/cycle2"/>
+    <dgm:cxn modelId="{AD03F35C-683A-4AF3-BE21-EF670F700262}" srcId="{84D7D0E4-2D8A-497E-B748-90A90281DDDF}" destId="{616770AD-C635-4E0F-8D61-F36489CC932D}" srcOrd="0" destOrd="0" parTransId="{4C8A2BDF-F30A-4104-AEEC-3358080493AA}" sibTransId="{1E62CD41-EC01-418C-90BE-E31F30EDD9E8}"/>
+    <dgm:cxn modelId="{79704B62-0F7C-4305-98DF-F251D37123FE}" srcId="{84D7D0E4-2D8A-497E-B748-90A90281DDDF}" destId="{EFBB782F-B8E8-4FA8-A272-9E6B712DBE8A}" srcOrd="1" destOrd="0" parTransId="{63614F12-76A4-4F06-82E9-BA9048064174}" sibTransId="{E6D03229-D29A-46BA-8963-175347BECBC1}"/>
+    <dgm:cxn modelId="{CDEED371-E950-4443-BDFE-D647F51DB612}" type="presOf" srcId="{616770AD-C635-4E0F-8D61-F36489CC932D}" destId="{50862458-5BC7-439C-BC7A-DAD09D3000BC}" srcOrd="0" destOrd="0" presId="urn:microsoft.com/office/officeart/2005/8/layout/cycle2"/>
+    <dgm:cxn modelId="{08E93693-63D6-4E98-8BBB-8E818DC1B9E5}" type="presOf" srcId="{92FD4F9C-054A-4E9B-A2D0-D6A438B4BE65}" destId="{7AD93F0A-92D2-43AE-A7BC-AA243D482C79}" srcOrd="0" destOrd="0" presId="urn:microsoft.com/office/officeart/2005/8/layout/cycle2"/>
+    <dgm:cxn modelId="{8E333EBF-C91F-4831-8582-23D9A264A18B}" type="presOf" srcId="{84D7D0E4-2D8A-497E-B748-90A90281DDDF}" destId="{AB58BC33-35E6-4592-93E6-66FD533512C1}" srcOrd="0" destOrd="0" presId="urn:microsoft.com/office/officeart/2005/8/layout/cycle2"/>
     <dgm:cxn modelId="{ECFEFEC0-5142-4AEF-BD65-315D22A9716E}" type="presOf" srcId="{EFBB782F-B8E8-4FA8-A272-9E6B712DBE8A}" destId="{AFA1E341-19E5-4FED-83E7-6F45154C62D8}" srcOrd="0" destOrd="0" presId="urn:microsoft.com/office/officeart/2005/8/layout/cycle2"/>
     <dgm:cxn modelId="{D32008E1-B18F-4C0E-85D9-E0E97B3281D5}" type="presOf" srcId="{2C5D6EB2-0CF5-4D83-9B21-1416A58A4631}" destId="{638190FB-7C55-4C3F-9936-2B8F2C06625E}" srcOrd="1" destOrd="0" presId="urn:microsoft.com/office/officeart/2005/8/layout/cycle2"/>
-    <dgm:cxn modelId="{5C3B2D39-D85D-431D-B171-C4890E7A0A93}" type="presOf" srcId="{1E62CD41-EC01-418C-90BE-E31F30EDD9E8}" destId="{6189A33A-4068-4F0F-B745-1AB05232C0D5}" srcOrd="1" destOrd="0" presId="urn:microsoft.com/office/officeart/2005/8/layout/cycle2"/>
-    <dgm:cxn modelId="{79704B62-0F7C-4305-98DF-F251D37123FE}" srcId="{84D7D0E4-2D8A-497E-B748-90A90281DDDF}" destId="{EFBB782F-B8E8-4FA8-A272-9E6B712DBE8A}" srcOrd="1" destOrd="0" parTransId="{63614F12-76A4-4F06-82E9-BA9048064174}" sibTransId="{E6D03229-D29A-46BA-8963-175347BECBC1}"/>
-    <dgm:cxn modelId="{E8C1710A-2DA6-4D2D-9E62-95879C105073}" type="presOf" srcId="{1E62CD41-EC01-418C-90BE-E31F30EDD9E8}" destId="{40B9F26D-EF78-4021-ADAD-B2DA2989E4DC}" srcOrd="0" destOrd="0" presId="urn:microsoft.com/office/officeart/2005/8/layout/cycle2"/>
-    <dgm:cxn modelId="{CDEED371-E950-4443-BDFE-D647F51DB612}" type="presOf" srcId="{616770AD-C635-4E0F-8D61-F36489CC932D}" destId="{50862458-5BC7-439C-BC7A-DAD09D3000BC}" srcOrd="0" destOrd="0" presId="urn:microsoft.com/office/officeart/2005/8/layout/cycle2"/>
-    <dgm:cxn modelId="{8E333EBF-C91F-4831-8582-23D9A264A18B}" type="presOf" srcId="{84D7D0E4-2D8A-497E-B748-90A90281DDDF}" destId="{AB58BC33-35E6-4592-93E6-66FD533512C1}" srcOrd="0" destOrd="0" presId="urn:microsoft.com/office/officeart/2005/8/layout/cycle2"/>
-    <dgm:cxn modelId="{AD03F35C-683A-4AF3-BE21-EF670F700262}" srcId="{84D7D0E4-2D8A-497E-B748-90A90281DDDF}" destId="{616770AD-C635-4E0F-8D61-F36489CC932D}" srcOrd="0" destOrd="0" parTransId="{4C8A2BDF-F30A-4104-AEEC-3358080493AA}" sibTransId="{1E62CD41-EC01-418C-90BE-E31F30EDD9E8}"/>
+    <dgm:cxn modelId="{785A86ED-928A-4947-AB4A-3466D5AABBA2}" type="presOf" srcId="{E6D03229-D29A-46BA-8963-175347BECBC1}" destId="{B165D22A-A333-47CE-9CD7-0712262F8AED}" srcOrd="1" destOrd="0" presId="urn:microsoft.com/office/officeart/2005/8/layout/cycle2"/>
     <dgm:cxn modelId="{0C6764F0-D4DE-4937-AD3E-4788A3AE746E}" type="presParOf" srcId="{AB58BC33-35E6-4592-93E6-66FD533512C1}" destId="{50862458-5BC7-439C-BC7A-DAD09D3000BC}" srcOrd="0" destOrd="0" presId="urn:microsoft.com/office/officeart/2005/8/layout/cycle2"/>
     <dgm:cxn modelId="{618AED1D-8F64-460B-B0BC-77C063FDE6E8}" type="presParOf" srcId="{AB58BC33-35E6-4592-93E6-66FD533512C1}" destId="{40B9F26D-EF78-4021-ADAD-B2DA2989E4DC}" srcOrd="1" destOrd="0" presId="urn:microsoft.com/office/officeart/2005/8/layout/cycle2"/>
     <dgm:cxn modelId="{4A82C099-705A-4DC7-BDF7-377FE6909F6B}" type="presParOf" srcId="{40B9F26D-EF78-4021-ADAD-B2DA2989E4DC}" destId="{6189A33A-4068-4F0F-B745-1AB05232C0D5}" srcOrd="0" destOrd="0" presId="urn:microsoft.com/office/officeart/2005/8/layout/cycle2"/>
@@ -1221,7 +1158,7 @@
         </a:bodyPr>
         <a:lstStyle/>
         <a:p>
-          <a:pPr lvl="0" algn="ctr" defTabSz="2889250">
+          <a:pPr marL="0" lvl="0" indent="0" algn="ctr" defTabSz="2889250">
             <a:lnSpc>
               <a:spcPct val="90000"/>
             </a:lnSpc>
@@ -1231,6 +1168,7 @@
             <a:spcAft>
               <a:spcPct val="35000"/>
             </a:spcAft>
+            <a:buNone/>
           </a:pPr>
           <a:r>
             <a:rPr lang="en-US" altLang="zh-CN" sz="6500" kern="1200" dirty="0"/>
@@ -1294,7 +1232,7 @@
         </a:bodyPr>
         <a:lstStyle/>
         <a:p>
-          <a:pPr lvl="0" algn="ctr" defTabSz="1022350">
+          <a:pPr marL="0" lvl="0" indent="0" algn="ctr" defTabSz="1022350">
             <a:lnSpc>
               <a:spcPct val="90000"/>
             </a:lnSpc>
@@ -1304,6 +1242,7 @@
             <a:spcAft>
               <a:spcPct val="35000"/>
             </a:spcAft>
+            <a:buNone/>
           </a:pPr>
           <a:endParaRPr lang="zh-CN" altLang="en-US" sz="2300" kern="1200"/>
         </a:p>
@@ -1367,7 +1306,7 @@
         </a:bodyPr>
         <a:lstStyle/>
         <a:p>
-          <a:pPr lvl="0" algn="ctr" defTabSz="2889250">
+          <a:pPr marL="0" lvl="0" indent="0" algn="ctr" defTabSz="2889250">
             <a:lnSpc>
               <a:spcPct val="90000"/>
             </a:lnSpc>
@@ -1377,6 +1316,7 @@
             <a:spcAft>
               <a:spcPct val="35000"/>
             </a:spcAft>
+            <a:buNone/>
           </a:pPr>
           <a:r>
             <a:rPr lang="en-US" altLang="zh-CN" sz="6500" kern="1200" dirty="0"/>
@@ -1440,7 +1380,7 @@
         </a:bodyPr>
         <a:lstStyle/>
         <a:p>
-          <a:pPr lvl="0" algn="ctr" defTabSz="1022350">
+          <a:pPr marL="0" lvl="0" indent="0" algn="ctr" defTabSz="1022350">
             <a:lnSpc>
               <a:spcPct val="90000"/>
             </a:lnSpc>
@@ -1450,6 +1390,7 @@
             <a:spcAft>
               <a:spcPct val="35000"/>
             </a:spcAft>
+            <a:buNone/>
           </a:pPr>
           <a:endParaRPr lang="zh-CN" altLang="en-US" sz="2300" kern="1200"/>
         </a:p>
@@ -1513,7 +1454,7 @@
         </a:bodyPr>
         <a:lstStyle/>
         <a:p>
-          <a:pPr lvl="0" algn="ctr" defTabSz="2889250">
+          <a:pPr marL="0" lvl="0" indent="0" algn="ctr" defTabSz="2889250">
             <a:lnSpc>
               <a:spcPct val="90000"/>
             </a:lnSpc>
@@ -1523,6 +1464,7 @@
             <a:spcAft>
               <a:spcPct val="35000"/>
             </a:spcAft>
+            <a:buNone/>
           </a:pPr>
           <a:r>
             <a:rPr lang="en-US" altLang="zh-CN" sz="6500" kern="1200" dirty="0"/>
@@ -1586,7 +1528,7 @@
         </a:bodyPr>
         <a:lstStyle/>
         <a:p>
-          <a:pPr lvl="0" algn="ctr" defTabSz="1022350">
+          <a:pPr marL="0" lvl="0" indent="0" algn="ctr" defTabSz="1022350">
             <a:lnSpc>
               <a:spcPct val="90000"/>
             </a:lnSpc>
@@ -1596,6 +1538,7 @@
             <a:spcAft>
               <a:spcPct val="35000"/>
             </a:spcAft>
+            <a:buNone/>
           </a:pPr>
           <a:endParaRPr lang="zh-CN" altLang="en-US" sz="2300" kern="1200"/>
         </a:p>
@@ -2936,7 +2879,7 @@
           <a:p>
             <a:fld id="{FC3BE701-BE88-4349-AB47-33B4F07616AF}" type="datetimeFigureOut">
               <a:rPr lang="zh-CN" altLang="en-US" smtClean="0"/>
-              <a:t>2017/10/25</a:t>
+              <a:t>2017/10/26</a:t>
             </a:fld>
             <a:endParaRPr lang="zh-CN" altLang="en-US"/>
           </a:p>
@@ -4414,7 +4357,7 @@
           <a:p>
             <a:fld id="{C1426985-6883-4C7E-B453-E000677702F0}" type="datetimeFigureOut">
               <a:rPr lang="en-CA" smtClean="0"/>
-              <a:t>2017-10-25</a:t>
+              <a:t>2017-10-26</a:t>
             </a:fld>
             <a:endParaRPr lang="en-CA"/>
           </a:p>
@@ -4652,7 +4595,7 @@
           <a:p>
             <a:fld id="{C1426985-6883-4C7E-B453-E000677702F0}" type="datetimeFigureOut">
               <a:rPr lang="en-CA" smtClean="0"/>
-              <a:t>2017-10-25</a:t>
+              <a:t>2017-10-26</a:t>
             </a:fld>
             <a:endParaRPr lang="en-CA"/>
           </a:p>
@@ -4832,7 +4775,7 @@
           <a:p>
             <a:fld id="{C1426985-6883-4C7E-B453-E000677702F0}" type="datetimeFigureOut">
               <a:rPr lang="en-CA" smtClean="0"/>
-              <a:t>2017-10-25</a:t>
+              <a:t>2017-10-26</a:t>
             </a:fld>
             <a:endParaRPr lang="en-CA"/>
           </a:p>
@@ -5002,7 +4945,7 @@
           <a:p>
             <a:fld id="{C1426985-6883-4C7E-B453-E000677702F0}" type="datetimeFigureOut">
               <a:rPr lang="en-CA" smtClean="0"/>
-              <a:t>2017-10-25</a:t>
+              <a:t>2017-10-26</a:t>
             </a:fld>
             <a:endParaRPr lang="en-CA"/>
           </a:p>
@@ -5278,7 +5221,7 @@
           <a:p>
             <a:fld id="{C1426985-6883-4C7E-B453-E000677702F0}" type="datetimeFigureOut">
               <a:rPr lang="en-CA" smtClean="0"/>
-              <a:t>2017-10-25</a:t>
+              <a:t>2017-10-26</a:t>
             </a:fld>
             <a:endParaRPr lang="en-CA"/>
           </a:p>
@@ -6479,7 +6422,7 @@
           <a:p>
             <a:fld id="{C1426985-6883-4C7E-B453-E000677702F0}" type="datetimeFigureOut">
               <a:rPr lang="en-CA" smtClean="0"/>
-              <a:t>2017-10-25</a:t>
+              <a:t>2017-10-26</a:t>
             </a:fld>
             <a:endParaRPr lang="en-CA"/>
           </a:p>
@@ -6539,7 +6482,7 @@
   </p:clrMapOvr>
   <p:extLst mod="1">
     <p:ext uri="{DCECCB84-F9BA-43D5-87BE-67443E8EF086}">
-      <p15:sldGuideLst xmlns="" xmlns:p15="http://schemas.microsoft.com/office/powerpoint/2012/main"/>
+      <p15:sldGuideLst xmlns:p15="http://schemas.microsoft.com/office/powerpoint/2012/main"/>
     </p:ext>
   </p:extLst>
 </p:sldLayout>
@@ -6869,7 +6812,7 @@
           <a:p>
             <a:fld id="{C1426985-6883-4C7E-B453-E000677702F0}" type="datetimeFigureOut">
               <a:rPr lang="en-CA" smtClean="0"/>
-              <a:t>2017-10-25</a:t>
+              <a:t>2017-10-26</a:t>
             </a:fld>
             <a:endParaRPr lang="en-CA"/>
           </a:p>
@@ -6929,7 +6872,7 @@
   </p:clrMapOvr>
   <p:extLst mod="1">
     <p:ext uri="{DCECCB84-F9BA-43D5-87BE-67443E8EF086}">
-      <p15:sldGuideLst xmlns="" xmlns:p15="http://schemas.microsoft.com/office/powerpoint/2012/main"/>
+      <p15:sldGuideLst xmlns:p15="http://schemas.microsoft.com/office/powerpoint/2012/main"/>
     </p:ext>
   </p:extLst>
 </p:sldLayout>
@@ -6992,7 +6935,7 @@
           <a:p>
             <a:fld id="{C1426985-6883-4C7E-B453-E000677702F0}" type="datetimeFigureOut">
               <a:rPr lang="en-CA" smtClean="0"/>
-              <a:t>2017-10-25</a:t>
+              <a:t>2017-10-26</a:t>
             </a:fld>
             <a:endParaRPr lang="en-CA"/>
           </a:p>
@@ -7087,7 +7030,7 @@
           <a:p>
             <a:fld id="{C1426985-6883-4C7E-B453-E000677702F0}" type="datetimeFigureOut">
               <a:rPr lang="en-CA" smtClean="0"/>
-              <a:t>2017-10-25</a:t>
+              <a:t>2017-10-26</a:t>
             </a:fld>
             <a:endParaRPr lang="en-CA"/>
           </a:p>
@@ -7850,7 +7793,7 @@
           <a:p>
             <a:fld id="{C1426985-6883-4C7E-B453-E000677702F0}" type="datetimeFigureOut">
               <a:rPr lang="en-CA" smtClean="0"/>
-              <a:t>2017-10-25</a:t>
+              <a:t>2017-10-26</a:t>
             </a:fld>
             <a:endParaRPr lang="en-CA"/>
           </a:p>
@@ -7958,7 +7901,7 @@
   </p:clrMapOvr>
   <p:extLst mod="1">
     <p:ext uri="{DCECCB84-F9BA-43D5-87BE-67443E8EF086}">
-      <p15:sldGuideLst xmlns="" xmlns:p15="http://schemas.microsoft.com/office/powerpoint/2012/main">
+      <p15:sldGuideLst xmlns:p15="http://schemas.microsoft.com/office/powerpoint/2012/main">
         <p15:guide id="1" orient="horz" pos="696">
           <p15:clr>
             <a:srgbClr val="FBAE40"/>
@@ -8690,7 +8633,7 @@
           <a:p>
             <a:fld id="{C1426985-6883-4C7E-B453-E000677702F0}" type="datetimeFigureOut">
               <a:rPr lang="en-CA" smtClean="0"/>
-              <a:t>2017-10-25</a:t>
+              <a:t>2017-10-26</a:t>
             </a:fld>
             <a:endParaRPr lang="en-CA"/>
           </a:p>
@@ -8917,7 +8860,7 @@
           <a:p>
             <a:fld id="{C1426985-6883-4C7E-B453-E000677702F0}" type="datetimeFigureOut">
               <a:rPr lang="en-CA" smtClean="0"/>
-              <a:t>2017-10-25</a:t>
+              <a:t>2017-10-26</a:t>
             </a:fld>
             <a:endParaRPr lang="en-CA"/>
           </a:p>
@@ -9862,7 +9805,7 @@
   </p:txStyles>
   <p:extLst mod="1">
     <p:ext uri="{27BBF7A9-308A-43DC-89C8-2F10F3537804}">
-      <p15:sldGuideLst xmlns="" xmlns:p15="http://schemas.microsoft.com/office/powerpoint/2012/main">
+      <p15:sldGuideLst xmlns:p15="http://schemas.microsoft.com/office/powerpoint/2012/main">
         <p15:guide id="1" pos="792">
           <p15:clr>
             <a:srgbClr val="F26B43"/>
@@ -11676,7 +11619,7 @@
                 <a:ea typeface="微軟正黑體" panose="020B0604030504040204" pitchFamily="34" charset="-120"/>
                 <a:cs typeface="Lantinghei SC Extralight" charset="-122"/>
               </a:rPr>
-              <a:t> 6,7,8</a:t>
+              <a:t> 7,8</a:t>
             </a:r>
             <a:r>
               <a:rPr lang="zh-CN" altLang="en-US" sz="1100" b="1" dirty="0">
@@ -11709,7 +11652,7 @@
         <p:spPr>
           <a:xfrm>
             <a:off x="4819934" y="2583972"/>
-            <a:ext cx="1805341" cy="2105256"/>
+            <a:ext cx="1805341" cy="1902124"/>
           </a:xfrm>
           <a:prstGeom prst="rect">
             <a:avLst/>
@@ -11964,7 +11907,7 @@
                 <a:ea typeface="微軟正黑體" panose="020B0604030504040204" pitchFamily="34" charset="-120"/>
                 <a:cs typeface="Lantinghei SC Extralight" charset="-122"/>
               </a:rPr>
-              <a:t>第三周学习小组报告</a:t>
+              <a:t>第五周学习小组报告</a:t>
             </a:r>
             <a:r>
               <a:rPr lang="en-CA" altLang="zh-CN" sz="1100" b="1" dirty="0">
@@ -12012,7 +11955,7 @@
                 <a:ea typeface="微軟正黑體" panose="020B0604030504040204" pitchFamily="34" charset="-120"/>
                 <a:cs typeface="Lantinghei SC Extralight" charset="-122"/>
               </a:rPr>
-              <a:t>6,7,8</a:t>
+              <a:t>7,8</a:t>
             </a:r>
             <a:r>
               <a:rPr lang="zh-CN" altLang="en-US" sz="1100" b="1" dirty="0">
@@ -12023,7 +11966,7 @@
                 <a:ea typeface="微軟正黑體" panose="020B0604030504040204" pitchFamily="34" charset="-120"/>
                 <a:cs typeface="Lantinghei SC Extralight" charset="-122"/>
               </a:rPr>
-              <a:t>章作业。</a:t>
+              <a:t>章。</a:t>
             </a:r>
           </a:p>
         </p:txBody>
@@ -12777,7 +12720,7 @@
                 <a:ea typeface="微軟正黑體" panose="020B0604030504040204" pitchFamily="34" charset="-120"/>
                 <a:cs typeface="Lantinghei SC Extralight" charset="-122"/>
               </a:rPr>
-              <a:t>时间课业紧张</a:t>
+              <a:t>时间紧张</a:t>
             </a:r>
             <a:endParaRPr lang="en-US" altLang="zh-CN" sz="1100" b="1" dirty="0">
               <a:solidFill>
@@ -12820,17 +12763,6 @@
               <a:t>2. </a:t>
             </a:r>
             <a:r>
-              <a:rPr lang="en-CA" altLang="zh-CN" sz="1100" b="1" dirty="0">
-                <a:solidFill>
-                  <a:srgbClr val="FFFFFF"/>
-                </a:solidFill>
-                <a:latin typeface="微軟正黑體" panose="020B0604030504040204" pitchFamily="34" charset="-120"/>
-                <a:ea typeface="微軟正黑體" panose="020B0604030504040204" pitchFamily="34" charset="-120"/>
-                <a:cs typeface="Lantinghei SC Extralight" charset="-122"/>
-              </a:rPr>
-              <a:t>Toyhouse.cc </a:t>
-            </a:r>
-            <a:r>
               <a:rPr lang="zh-CN" altLang="en-US" sz="1100" b="1" dirty="0">
                 <a:solidFill>
                   <a:srgbClr val="FFFFFF"/>
@@ -12839,7 +12771,7 @@
                 <a:ea typeface="微軟正黑體" panose="020B0604030504040204" pitchFamily="34" charset="-120"/>
                 <a:cs typeface="Lantinghei SC Extralight" charset="-122"/>
               </a:rPr>
-              <a:t>服务器不稳定</a:t>
+              <a:t>目前主要编程工作由两位组员完成</a:t>
             </a:r>
           </a:p>
         </p:txBody>
@@ -12849,7 +12781,7 @@
           <p:cNvPr id="48" name="文本框 43" descr="e7d195523061f1c0deeec63e560781cfd59afb0ea006f2a87ABB68BF51EA6619813959095094C18C62A12F549504892A4AAA8C1554C6663626E05CA27F281A14E6983772AFC3FB97135759321DEA3D70145073B7709DEAFA256CD57602346C569CD03E8246D33DA545568EA98FB062D63F616CDCDDC7C308D5561BD508072CED46FA16A315624C7F2FF57E77E923953F">
             <a:extLst>
               <a:ext uri="{FF2B5EF4-FFF2-40B4-BE49-F238E27FC236}">
-                <a16:creationId xmlns="" xmlns:a16="http://schemas.microsoft.com/office/drawing/2014/main" id="{E5105AD0-9756-4434-9D12-D1354292401B}"/>
+                <a16:creationId xmlns:a16="http://schemas.microsoft.com/office/drawing/2014/main" id="{E5105AD0-9756-4434-9D12-D1354292401B}"/>
               </a:ext>
             </a:extLst>
           </p:cNvPr>
@@ -12925,7 +12857,7 @@
                 <a:ea typeface="方正小标宋简体" panose="02010601030101010101" pitchFamily="2" charset="-122"/>
                 <a:cs typeface="Kartika" panose="02020503030404060203" pitchFamily="18" charset="0"/>
               </a:rPr>
-              <a:t>第三周 </a:t>
+              <a:t>第五周 </a:t>
             </a:r>
           </a:p>
         </p:txBody>
@@ -12940,13 +12872,6 @@
   <p:clrMapOvr>
     <a:masterClrMapping/>
   </p:clrMapOvr>
-  <p:timing>
-    <p:tnLst>
-      <p:par>
-        <p:cTn id="1" dur="indefinite" restart="never" nodeType="tmRoot"/>
-      </p:par>
-    </p:tnLst>
-  </p:timing>
 </p:sld>
 </file>
 
@@ -12972,7 +12897,7 @@
           <p:cNvPr id="2" name="Title 1">
             <a:extLst>
               <a:ext uri="{FF2B5EF4-FFF2-40B4-BE49-F238E27FC236}">
-                <a16:creationId xmlns="" xmlns:a16="http://schemas.microsoft.com/office/drawing/2014/main" id="{3DD62E72-8E0B-4F0E-9478-577A903A698C}"/>
+                <a16:creationId xmlns:a16="http://schemas.microsoft.com/office/drawing/2014/main" id="{3DD62E72-8E0B-4F0E-9478-577A903A698C}"/>
               </a:ext>
             </a:extLst>
           </p:cNvPr>
@@ -13008,7 +12933,7 @@
           <p:cNvPr id="6" name="文本框 5">
             <a:extLst>
               <a:ext uri="{FF2B5EF4-FFF2-40B4-BE49-F238E27FC236}">
-                <a16:creationId xmlns="" xmlns:a16="http://schemas.microsoft.com/office/drawing/2014/main" id="{3CCB63B7-2ACC-4E35-8A9D-D2922A986B47}"/>
+                <a16:creationId xmlns:a16="http://schemas.microsoft.com/office/drawing/2014/main" id="{3CCB63B7-2ACC-4E35-8A9D-D2922A986B47}"/>
               </a:ext>
             </a:extLst>
           </p:cNvPr>
@@ -13040,17 +12965,13 @@
           <a:p>
             <a:r>
               <a:rPr lang="en-US" altLang="zh-CN" sz="2800" dirty="0"/>
-              <a:t>1</a:t>
-            </a:r>
-            <a:r>
-              <a:rPr lang="en-US" altLang="zh-CN" sz="2800" dirty="0" smtClean="0"/>
-              <a:t>.</a:t>
-            </a:r>
-            <a:r>
-              <a:rPr lang="zh-CN" altLang="en-US" sz="2800" dirty="0" smtClean="0"/>
+              <a:t>1.</a:t>
+            </a:r>
+            <a:r>
+              <a:rPr lang="zh-CN" altLang="en-US" sz="2800" dirty="0"/>
               <a:t>寄存器数量少，绝大多数操作不能仅仅依靠寄存器完成。</a:t>
             </a:r>
-            <a:endParaRPr lang="en-US" altLang="zh-CN" sz="2800" dirty="0" smtClean="0"/>
+            <a:endParaRPr lang="en-US" altLang="zh-CN" sz="2800" dirty="0"/>
           </a:p>
           <a:p>
             <a:endParaRPr lang="en-US" altLang="zh-CN" sz="2800" dirty="0"/>
@@ -13082,19 +13003,7 @@
             </a:r>
             <a:r>
               <a:rPr lang="zh-CN" altLang="en-US" sz="2800" dirty="0"/>
-              <a:t>是选择结构</a:t>
-            </a:r>
-            <a:r>
-              <a:rPr lang="zh-CN" altLang="en-US" sz="2800" dirty="0" smtClean="0"/>
-              <a:t>，</a:t>
-            </a:r>
-            <a:r>
-              <a:rPr lang="zh-CN" altLang="en-US" sz="2800" dirty="0"/>
-              <a:t>而</a:t>
-            </a:r>
-            <a:r>
-              <a:rPr lang="zh-CN" altLang="en-US" sz="2800" dirty="0" smtClean="0"/>
-              <a:t>非线性结构。</a:t>
+              <a:t>是选择结构，而非线性结构。</a:t>
             </a:r>
             <a:endParaRPr lang="en-US" altLang="zh-CN" sz="2800" dirty="0"/>
           </a:p>
@@ -13123,7 +13032,7 @@
           <p:cNvPr id="8" name="图片 7">
             <a:extLst>
               <a:ext uri="{FF2B5EF4-FFF2-40B4-BE49-F238E27FC236}">
-                <a16:creationId xmlns="" xmlns:a16="http://schemas.microsoft.com/office/drawing/2014/main" id="{822C0C89-BAC1-49E8-B670-1BF379D832AF}"/>
+                <a16:creationId xmlns:a16="http://schemas.microsoft.com/office/drawing/2014/main" id="{822C0C89-BAC1-49E8-B670-1BF379D832AF}"/>
               </a:ext>
             </a:extLst>
           </p:cNvPr>
@@ -13164,13 +13073,6 @@
   <p:clrMapOvr>
     <a:masterClrMapping/>
   </p:clrMapOvr>
-  <p:timing>
-    <p:tnLst>
-      <p:par>
-        <p:cTn id="1" dur="indefinite" restart="never" nodeType="tmRoot"/>
-      </p:par>
-    </p:tnLst>
-  </p:timing>
 </p:sld>
 </file>
 
@@ -13207,7 +13109,7 @@
           <a:lstStyle/>
           <a:p>
             <a:r>
-              <a:rPr lang="en-US" altLang="zh-CN" dirty="0" smtClean="0"/>
+              <a:rPr lang="en-US" altLang="zh-CN" dirty="0"/>
               <a:t>STACK POP&amp;PUSH</a:t>
             </a:r>
             <a:endParaRPr lang="zh-CN" altLang="en-US" dirty="0"/>
@@ -13235,28 +13137,27 @@
           <a:lstStyle/>
           <a:p>
             <a:r>
-              <a:rPr lang="en-US" altLang="zh-CN" dirty="0" smtClean="0"/>
+              <a:rPr lang="en-US" altLang="zh-CN" dirty="0"/>
               <a:t>POP</a:t>
             </a:r>
             <a:r>
-              <a:rPr lang="zh-CN" altLang="en-US" dirty="0" smtClean="0"/>
+              <a:rPr lang="zh-CN" altLang="en-US" dirty="0"/>
               <a:t>：将栈顶的元素存到一个内存中区</a:t>
             </a:r>
-            <a:endParaRPr lang="en-US" altLang="zh-CN" dirty="0" smtClean="0"/>
-          </a:p>
-          <a:p>
             <a:endParaRPr lang="en-US" altLang="zh-CN" dirty="0"/>
           </a:p>
           <a:p>
-            <a:r>
-              <a:rPr lang="en-US" altLang="zh-CN" dirty="0" smtClean="0"/>
+            <a:endParaRPr lang="en-US" altLang="zh-CN" dirty="0"/>
+          </a:p>
+          <a:p>
+            <a:r>
+              <a:rPr lang="en-US" altLang="zh-CN" dirty="0"/>
               <a:t>PUSH</a:t>
             </a:r>
             <a:r>
-              <a:rPr lang="zh-CN" altLang="en-US" dirty="0" smtClean="0"/>
+              <a:rPr lang="zh-CN" altLang="en-US" dirty="0"/>
               <a:t>：将某个内存中的元素压入栈顶</a:t>
             </a:r>
-            <a:endParaRPr lang="zh-CN" altLang="en-US" dirty="0"/>
           </a:p>
         </p:txBody>
       </p:sp>
@@ -13334,13 +13235,6 @@
   <p:clrMapOvr>
     <a:masterClrMapping/>
   </p:clrMapOvr>
-  <p:timing>
-    <p:tnLst>
-      <p:par>
-        <p:cTn id="1" dur="indefinite" restart="never" nodeType="tmRoot"/>
-      </p:par>
-    </p:tnLst>
-  </p:timing>
 </p:sld>
 </file>
 
@@ -13377,7 +13271,7 @@
           <a:lstStyle/>
           <a:p>
             <a:r>
-              <a:rPr lang="en-US" altLang="zh-CN" dirty="0" smtClean="0"/>
+              <a:rPr lang="en-US" altLang="zh-CN" dirty="0"/>
               <a:t>STACK ARITHMATIC</a:t>
             </a:r>
             <a:endParaRPr lang="zh-CN" altLang="en-US" dirty="0"/>
@@ -13458,13 +13352,6 @@
   <p:clrMapOvr>
     <a:masterClrMapping/>
   </p:clrMapOvr>
-  <p:timing>
-    <p:tnLst>
-      <p:par>
-        <p:cTn id="1" dur="indefinite" restart="never" nodeType="tmRoot"/>
-      </p:par>
-    </p:tnLst>
-  </p:timing>
 </p:sld>
 </file>
 
@@ -13490,7 +13377,7 @@
           <p:cNvPr id="2" name="标题 1">
             <a:extLst>
               <a:ext uri="{FF2B5EF4-FFF2-40B4-BE49-F238E27FC236}">
-                <a16:creationId xmlns="" xmlns:a16="http://schemas.microsoft.com/office/drawing/2014/main" id="{0FDCFF70-2C4D-41AD-A19C-DDC45455E955}"/>
+                <a16:creationId xmlns:a16="http://schemas.microsoft.com/office/drawing/2014/main" id="{0FDCFF70-2C4D-41AD-A19C-DDC45455E955}"/>
               </a:ext>
             </a:extLst>
           </p:cNvPr>
@@ -13508,14 +13395,10 @@
           <a:p>
             <a:r>
               <a:rPr lang="zh-CN" altLang="en-US" dirty="0"/>
-              <a:t>寄存器</a:t>
-            </a:r>
-            <a:r>
-              <a:rPr lang="zh-CN" altLang="en-US" dirty="0" smtClean="0"/>
-              <a:t>不足：</a:t>
-            </a:r>
-            <a:r>
-              <a:rPr lang="en-US" altLang="zh-CN" dirty="0" smtClean="0"/>
+              <a:t>寄存器不足：</a:t>
+            </a:r>
+            <a:r>
+              <a:rPr lang="en-US" altLang="zh-CN" dirty="0"/>
               <a:t>POP</a:t>
             </a:r>
             <a:endParaRPr lang="zh-CN" altLang="en-US" dirty="0"/>
@@ -13527,7 +13410,7 @@
           <p:cNvPr id="3" name="内容占位符 2">
             <a:extLst>
               <a:ext uri="{FF2B5EF4-FFF2-40B4-BE49-F238E27FC236}">
-                <a16:creationId xmlns="" xmlns:a16="http://schemas.microsoft.com/office/drawing/2014/main" id="{2D5B990F-7233-4CDF-9F20-5DB53C755B94}"/>
+                <a16:creationId xmlns:a16="http://schemas.microsoft.com/office/drawing/2014/main" id="{2D5B990F-7233-4CDF-9F20-5DB53C755B94}"/>
               </a:ext>
             </a:extLst>
           </p:cNvPr>
@@ -13581,19 +13464,15 @@
               <a:buNone/>
             </a:pPr>
             <a:r>
-              <a:rPr lang="en-US" altLang="zh-CN" dirty="0" smtClean="0"/>
-              <a:t>p</a:t>
-            </a:r>
-            <a:r>
-              <a:rPr lang="en-US" altLang="zh-CN" dirty="0" smtClean="0"/>
-              <a:t>op </a:t>
-            </a:r>
-            <a:r>
-              <a:rPr lang="en-US" altLang="zh-CN" dirty="0" err="1" smtClean="0"/>
+              <a:rPr lang="en-US" altLang="zh-CN" dirty="0"/>
+              <a:t>pop </a:t>
+            </a:r>
+            <a:r>
+              <a:rPr lang="en-US" altLang="zh-CN" dirty="0" err="1"/>
               <a:t>memorySegment</a:t>
             </a:r>
             <a:r>
-              <a:rPr lang="en-US" altLang="zh-CN" dirty="0" smtClean="0"/>
+              <a:rPr lang="en-US" altLang="zh-CN" dirty="0"/>
               <a:t> index</a:t>
             </a:r>
           </a:p>
@@ -13602,12 +13481,8 @@
               <a:buNone/>
             </a:pPr>
             <a:r>
-              <a:rPr lang="zh-CN" altLang="en-US" dirty="0" smtClean="0"/>
-              <a:t>输出</a:t>
-            </a:r>
-            <a:r>
               <a:rPr lang="zh-CN" altLang="en-US" dirty="0"/>
-              <a:t>：</a:t>
+              <a:t>输出：</a:t>
             </a:r>
             <a:endParaRPr lang="en-US" altLang="zh-CN" dirty="0"/>
           </a:p>
@@ -13628,7 +13503,7 @@
           <p:cNvPr id="5" name="图示 4">
             <a:extLst>
               <a:ext uri="{FF2B5EF4-FFF2-40B4-BE49-F238E27FC236}">
-                <a16:creationId xmlns="" xmlns:a16="http://schemas.microsoft.com/office/drawing/2014/main" id="{F68CA67B-5ED6-4331-B3F7-FCB6A2038CB2}"/>
+                <a16:creationId xmlns:a16="http://schemas.microsoft.com/office/drawing/2014/main" id="{F68CA67B-5ED6-4331-B3F7-FCB6A2038CB2}"/>
               </a:ext>
             </a:extLst>
           </p:cNvPr>
@@ -13656,7 +13531,7 @@
           <p:cNvPr id="6" name="文本框 5">
             <a:extLst>
               <a:ext uri="{FF2B5EF4-FFF2-40B4-BE49-F238E27FC236}">
-                <a16:creationId xmlns="" xmlns:a16="http://schemas.microsoft.com/office/drawing/2014/main" id="{61F0CA50-51E9-45F1-BFF7-22CF0186B44A}"/>
+                <a16:creationId xmlns:a16="http://schemas.microsoft.com/office/drawing/2014/main" id="{61F0CA50-51E9-45F1-BFF7-22CF0186B44A}"/>
               </a:ext>
             </a:extLst>
           </p:cNvPr>
@@ -13681,28 +13556,16 @@
           <a:p>
             <a:r>
               <a:rPr lang="zh-CN" altLang="en-US" dirty="0"/>
-              <a:t>理想情况</a:t>
-            </a:r>
-            <a:r>
-              <a:rPr lang="zh-CN" altLang="en-US" dirty="0" smtClean="0"/>
-              <a:t>：不</a:t>
-            </a:r>
+              <a:t>理想情况：不使用或尽量少使用任何内存</a:t>
+            </a:r>
+            <a:endParaRPr lang="en-US" altLang="zh-CN" dirty="0"/>
+          </a:p>
+          <a:p>
+            <a:endParaRPr lang="en-US" altLang="zh-CN" dirty="0"/>
+          </a:p>
+          <a:p>
             <a:r>
               <a:rPr lang="zh-CN" altLang="en-US" dirty="0"/>
-              <a:t>使用或尽量少使用任何</a:t>
-            </a:r>
-            <a:r>
-              <a:rPr lang="zh-CN" altLang="en-US" dirty="0" smtClean="0"/>
-              <a:t>内存</a:t>
-            </a:r>
-            <a:endParaRPr lang="en-US" altLang="zh-CN" dirty="0" smtClean="0"/>
-          </a:p>
-          <a:p>
-            <a:endParaRPr lang="en-US" altLang="zh-CN" dirty="0" smtClean="0"/>
-          </a:p>
-          <a:p>
-            <a:r>
-              <a:rPr lang="zh-CN" altLang="en-US" dirty="0" smtClean="0"/>
               <a:t>需要完成：取出栈顶的元素，计算出目标地址，将元素放入对应地址中</a:t>
             </a:r>
             <a:endParaRPr lang="en-US" altLang="zh-CN" dirty="0"/>
@@ -13712,42 +13575,33 @@
           </a:p>
           <a:p>
             <a:r>
-              <a:rPr lang="zh-CN" altLang="en-US" dirty="0" smtClean="0"/>
-              <a:t>实现</a:t>
-            </a:r>
-            <a:r>
               <a:rPr lang="zh-CN" altLang="en-US" dirty="0"/>
-              <a:t>困难</a:t>
-            </a:r>
-            <a:r>
-              <a:rPr lang="zh-CN" altLang="en-US" dirty="0" smtClean="0"/>
-              <a:t>：虽然有</a:t>
-            </a:r>
-            <a:r>
-              <a:rPr lang="en-US" altLang="zh-CN" dirty="0" smtClean="0"/>
+              <a:t>实现困难：虽然有</a:t>
+            </a:r>
+            <a:r>
+              <a:rPr lang="en-US" altLang="zh-CN" dirty="0"/>
               <a:t>AMD</a:t>
             </a:r>
             <a:r>
-              <a:rPr lang="zh-CN" altLang="en-US" dirty="0" smtClean="0"/>
+              <a:rPr lang="zh-CN" altLang="en-US" dirty="0"/>
               <a:t>三个可以使用，但是</a:t>
             </a:r>
             <a:r>
-              <a:rPr lang="en-US" altLang="zh-CN" dirty="0" smtClean="0"/>
+              <a:rPr lang="en-US" altLang="zh-CN" dirty="0"/>
               <a:t>M</a:t>
             </a:r>
             <a:r>
-              <a:rPr lang="zh-CN" altLang="en-US" dirty="0" smtClean="0"/>
+              <a:rPr lang="zh-CN" altLang="en-US" dirty="0"/>
               <a:t>和</a:t>
             </a:r>
             <a:r>
-              <a:rPr lang="en-US" altLang="zh-CN" dirty="0" smtClean="0"/>
+              <a:rPr lang="en-US" altLang="zh-CN" dirty="0"/>
               <a:t>A</a:t>
             </a:r>
             <a:r>
-              <a:rPr lang="zh-CN" altLang="en-US" dirty="0" smtClean="0"/>
+              <a:rPr lang="zh-CN" altLang="en-US" dirty="0"/>
               <a:t>绑定，难以完成操作</a:t>
             </a:r>
-            <a:endParaRPr lang="zh-CN" altLang="en-US" dirty="0"/>
           </a:p>
         </p:txBody>
       </p:sp>
@@ -13756,7 +13610,7 @@
           <p:cNvPr id="8" name="文本框 7">
             <a:extLst>
               <a:ext uri="{FF2B5EF4-FFF2-40B4-BE49-F238E27FC236}">
-                <a16:creationId xmlns="" xmlns:a16="http://schemas.microsoft.com/office/drawing/2014/main" id="{84DE73D5-56B8-48FE-B067-2198946BD065}"/>
+                <a16:creationId xmlns:a16="http://schemas.microsoft.com/office/drawing/2014/main" id="{84DE73D5-56B8-48FE-B067-2198946BD065}"/>
               </a:ext>
             </a:extLst>
           </p:cNvPr>
@@ -13780,7 +13634,7 @@
           <a:lstStyle/>
           <a:p>
             <a:r>
-              <a:rPr lang="zh-CN" altLang="en-US" dirty="0" smtClean="0"/>
+              <a:rPr lang="zh-CN" altLang="en-US" dirty="0"/>
               <a:t>解决的方法是在内存中找一个不会被访问的地址看作寄存器使用</a:t>
             </a:r>
             <a:endParaRPr lang="en-US" altLang="zh-CN" dirty="0"/>
@@ -13797,13 +13651,6 @@
   <p:clrMapOvr>
     <a:masterClrMapping/>
   </p:clrMapOvr>
-  <p:timing>
-    <p:tnLst>
-      <p:par>
-        <p:cTn id="1" dur="indefinite" restart="never" nodeType="tmRoot"/>
-      </p:par>
-    </p:tnLst>
-  </p:timing>
 </p:sld>
 </file>
 
@@ -13829,7 +13676,7 @@
           <p:cNvPr id="2" name="标题 1">
             <a:extLst>
               <a:ext uri="{FF2B5EF4-FFF2-40B4-BE49-F238E27FC236}">
-                <a16:creationId xmlns="" xmlns:a16="http://schemas.microsoft.com/office/drawing/2014/main" id="{8B23BBFA-40F2-4624-A786-4177DFF363C3}"/>
+                <a16:creationId xmlns:a16="http://schemas.microsoft.com/office/drawing/2014/main" id="{8B23BBFA-40F2-4624-A786-4177DFF363C3}"/>
               </a:ext>
             </a:extLst>
           </p:cNvPr>
@@ -13871,7 +13718,7 @@
           <p:cNvPr id="3" name="内容占位符 2">
             <a:extLst>
               <a:ext uri="{FF2B5EF4-FFF2-40B4-BE49-F238E27FC236}">
-                <a16:creationId xmlns="" xmlns:a16="http://schemas.microsoft.com/office/drawing/2014/main" id="{1B272D1A-D506-49F6-B787-B2A7F0D767BA}"/>
+                <a16:creationId xmlns:a16="http://schemas.microsoft.com/office/drawing/2014/main" id="{1B272D1A-D506-49F6-B787-B2A7F0D767BA}"/>
               </a:ext>
             </a:extLst>
           </p:cNvPr>
@@ -13970,7 +13817,7 @@
           <p:cNvPr id="4" name="文本框 3">
             <a:extLst>
               <a:ext uri="{FF2B5EF4-FFF2-40B4-BE49-F238E27FC236}">
-                <a16:creationId xmlns="" xmlns:a16="http://schemas.microsoft.com/office/drawing/2014/main" id="{0569E03A-6690-436D-A4F4-F52757432DB9}"/>
+                <a16:creationId xmlns:a16="http://schemas.microsoft.com/office/drawing/2014/main" id="{0569E03A-6690-436D-A4F4-F52757432DB9}"/>
               </a:ext>
             </a:extLst>
           </p:cNvPr>
@@ -14020,7 +13867,7 @@
           <p:cNvPr id="5" name="文本框 4">
             <a:extLst>
               <a:ext uri="{FF2B5EF4-FFF2-40B4-BE49-F238E27FC236}">
-                <a16:creationId xmlns="" xmlns:a16="http://schemas.microsoft.com/office/drawing/2014/main" id="{93AA2341-4708-4CB2-8AF0-090CFF686A84}"/>
+                <a16:creationId xmlns:a16="http://schemas.microsoft.com/office/drawing/2014/main" id="{93AA2341-4708-4CB2-8AF0-090CFF686A84}"/>
               </a:ext>
             </a:extLst>
           </p:cNvPr>
@@ -14064,7 +13911,7 @@
           <p:cNvPr id="8" name="矩形 7">
             <a:extLst>
               <a:ext uri="{FF2B5EF4-FFF2-40B4-BE49-F238E27FC236}">
-                <a16:creationId xmlns="" xmlns:a16="http://schemas.microsoft.com/office/drawing/2014/main" id="{E9525A69-D8BF-492F-B8BE-2BC5DCABA74A}"/>
+                <a16:creationId xmlns:a16="http://schemas.microsoft.com/office/drawing/2014/main" id="{E9525A69-D8BF-492F-B8BE-2BC5DCABA74A}"/>
               </a:ext>
             </a:extLst>
           </p:cNvPr>
@@ -14110,7 +13957,7 @@
           <p:cNvPr id="9" name="流程图: 决策 8">
             <a:extLst>
               <a:ext uri="{FF2B5EF4-FFF2-40B4-BE49-F238E27FC236}">
-                <a16:creationId xmlns="" xmlns:a16="http://schemas.microsoft.com/office/drawing/2014/main" id="{6EC0AE53-D3C7-4F9D-919E-D0532760E115}"/>
+                <a16:creationId xmlns:a16="http://schemas.microsoft.com/office/drawing/2014/main" id="{6EC0AE53-D3C7-4F9D-919E-D0532760E115}"/>
               </a:ext>
             </a:extLst>
           </p:cNvPr>
@@ -14156,7 +14003,7 @@
           <p:cNvPr id="10" name="矩形 9">
             <a:extLst>
               <a:ext uri="{FF2B5EF4-FFF2-40B4-BE49-F238E27FC236}">
-                <a16:creationId xmlns="" xmlns:a16="http://schemas.microsoft.com/office/drawing/2014/main" id="{6ADE4CEB-8DF5-423A-8F5A-B1EC3A2CCB43}"/>
+                <a16:creationId xmlns:a16="http://schemas.microsoft.com/office/drawing/2014/main" id="{6ADE4CEB-8DF5-423A-8F5A-B1EC3A2CCB43}"/>
               </a:ext>
             </a:extLst>
           </p:cNvPr>
@@ -14202,7 +14049,7 @@
           <p:cNvPr id="20" name="箭头: 下 19">
             <a:extLst>
               <a:ext uri="{FF2B5EF4-FFF2-40B4-BE49-F238E27FC236}">
-                <a16:creationId xmlns="" xmlns:a16="http://schemas.microsoft.com/office/drawing/2014/main" id="{E0C19457-DF13-4856-B8EB-B60F6FCABB6D}"/>
+                <a16:creationId xmlns:a16="http://schemas.microsoft.com/office/drawing/2014/main" id="{E0C19457-DF13-4856-B8EB-B60F6FCABB6D}"/>
               </a:ext>
             </a:extLst>
           </p:cNvPr>
@@ -14248,7 +14095,7 @@
           <p:cNvPr id="21" name="箭头: 下 20">
             <a:extLst>
               <a:ext uri="{FF2B5EF4-FFF2-40B4-BE49-F238E27FC236}">
-                <a16:creationId xmlns="" xmlns:a16="http://schemas.microsoft.com/office/drawing/2014/main" id="{380192FD-727E-48E2-8030-6B0BB651F1CF}"/>
+                <a16:creationId xmlns:a16="http://schemas.microsoft.com/office/drawing/2014/main" id="{380192FD-727E-48E2-8030-6B0BB651F1CF}"/>
               </a:ext>
             </a:extLst>
           </p:cNvPr>
@@ -14294,7 +14141,7 @@
           <p:cNvPr id="25" name="矩形 24">
             <a:extLst>
               <a:ext uri="{FF2B5EF4-FFF2-40B4-BE49-F238E27FC236}">
-                <a16:creationId xmlns="" xmlns:a16="http://schemas.microsoft.com/office/drawing/2014/main" id="{5110027C-00A7-4C66-80C0-A962B015E7FD}"/>
+                <a16:creationId xmlns:a16="http://schemas.microsoft.com/office/drawing/2014/main" id="{5110027C-00A7-4C66-80C0-A962B015E7FD}"/>
               </a:ext>
             </a:extLst>
           </p:cNvPr>
@@ -14340,7 +14187,7 @@
           <p:cNvPr id="26" name="矩形 25">
             <a:extLst>
               <a:ext uri="{FF2B5EF4-FFF2-40B4-BE49-F238E27FC236}">
-                <a16:creationId xmlns="" xmlns:a16="http://schemas.microsoft.com/office/drawing/2014/main" id="{E0870375-B4FD-40B2-BC66-BADA675D2CB3}"/>
+                <a16:creationId xmlns:a16="http://schemas.microsoft.com/office/drawing/2014/main" id="{E0870375-B4FD-40B2-BC66-BADA675D2CB3}"/>
               </a:ext>
             </a:extLst>
           </p:cNvPr>
@@ -14386,7 +14233,7 @@
           <p:cNvPr id="27" name="箭头: 左 26">
             <a:extLst>
               <a:ext uri="{FF2B5EF4-FFF2-40B4-BE49-F238E27FC236}">
-                <a16:creationId xmlns="" xmlns:a16="http://schemas.microsoft.com/office/drawing/2014/main" id="{2827946B-4343-4F35-B4E6-AD43E883B22E}"/>
+                <a16:creationId xmlns:a16="http://schemas.microsoft.com/office/drawing/2014/main" id="{2827946B-4343-4F35-B4E6-AD43E883B22E}"/>
               </a:ext>
             </a:extLst>
           </p:cNvPr>
@@ -14432,7 +14279,7 @@
           <p:cNvPr id="28" name="箭头: 下 27">
             <a:extLst>
               <a:ext uri="{FF2B5EF4-FFF2-40B4-BE49-F238E27FC236}">
-                <a16:creationId xmlns="" xmlns:a16="http://schemas.microsoft.com/office/drawing/2014/main" id="{447355AF-3A44-4394-ABA4-4DFD856E0173}"/>
+                <a16:creationId xmlns:a16="http://schemas.microsoft.com/office/drawing/2014/main" id="{447355AF-3A44-4394-ABA4-4DFD856E0173}"/>
               </a:ext>
             </a:extLst>
           </p:cNvPr>
@@ -14478,7 +14325,7 @@
           <p:cNvPr id="29" name="矩形 28">
             <a:extLst>
               <a:ext uri="{FF2B5EF4-FFF2-40B4-BE49-F238E27FC236}">
-                <a16:creationId xmlns="" xmlns:a16="http://schemas.microsoft.com/office/drawing/2014/main" id="{41300E9B-1737-48A5-986B-720F6C5BBF2E}"/>
+                <a16:creationId xmlns:a16="http://schemas.microsoft.com/office/drawing/2014/main" id="{41300E9B-1737-48A5-986B-720F6C5BBF2E}"/>
               </a:ext>
             </a:extLst>
           </p:cNvPr>
@@ -14524,7 +14371,7 @@
           <p:cNvPr id="30" name="文本框 29">
             <a:extLst>
               <a:ext uri="{FF2B5EF4-FFF2-40B4-BE49-F238E27FC236}">
-                <a16:creationId xmlns="" xmlns:a16="http://schemas.microsoft.com/office/drawing/2014/main" id="{ACF3DEF4-20CE-44A2-9D79-30061F27281A}"/>
+                <a16:creationId xmlns:a16="http://schemas.microsoft.com/office/drawing/2014/main" id="{ACF3DEF4-20CE-44A2-9D79-30061F27281A}"/>
               </a:ext>
             </a:extLst>
           </p:cNvPr>
@@ -14559,7 +14406,7 @@
           <p:cNvPr id="31" name="文本框 30">
             <a:extLst>
               <a:ext uri="{FF2B5EF4-FFF2-40B4-BE49-F238E27FC236}">
-                <a16:creationId xmlns="" xmlns:a16="http://schemas.microsoft.com/office/drawing/2014/main" id="{87560069-3717-40C6-99D9-525A8543B653}"/>
+                <a16:creationId xmlns:a16="http://schemas.microsoft.com/office/drawing/2014/main" id="{87560069-3717-40C6-99D9-525A8543B653}"/>
               </a:ext>
             </a:extLst>
           </p:cNvPr>
@@ -14594,7 +14441,7 @@
           <p:cNvPr id="32" name="文本框 31">
             <a:extLst>
               <a:ext uri="{FF2B5EF4-FFF2-40B4-BE49-F238E27FC236}">
-                <a16:creationId xmlns="" xmlns:a16="http://schemas.microsoft.com/office/drawing/2014/main" id="{CCA6B562-BE5C-42DE-A4C5-9E487C8AE404}"/>
+                <a16:creationId xmlns:a16="http://schemas.microsoft.com/office/drawing/2014/main" id="{CCA6B562-BE5C-42DE-A4C5-9E487C8AE404}"/>
               </a:ext>
             </a:extLst>
           </p:cNvPr>
@@ -14629,7 +14476,7 @@
           <p:cNvPr id="33" name="文本框 32">
             <a:extLst>
               <a:ext uri="{FF2B5EF4-FFF2-40B4-BE49-F238E27FC236}">
-                <a16:creationId xmlns="" xmlns:a16="http://schemas.microsoft.com/office/drawing/2014/main" id="{C52F5089-6FC0-4001-9399-ED874B46199E}"/>
+                <a16:creationId xmlns:a16="http://schemas.microsoft.com/office/drawing/2014/main" id="{C52F5089-6FC0-4001-9399-ED874B46199E}"/>
               </a:ext>
             </a:extLst>
           </p:cNvPr>
@@ -14664,7 +14511,7 @@
           <p:cNvPr id="34" name="文本框 33">
             <a:extLst>
               <a:ext uri="{FF2B5EF4-FFF2-40B4-BE49-F238E27FC236}">
-                <a16:creationId xmlns="" xmlns:a16="http://schemas.microsoft.com/office/drawing/2014/main" id="{D0C9AF1A-CE08-44D3-8608-22C5EFB50902}"/>
+                <a16:creationId xmlns:a16="http://schemas.microsoft.com/office/drawing/2014/main" id="{D0C9AF1A-CE08-44D3-8608-22C5EFB50902}"/>
               </a:ext>
             </a:extLst>
           </p:cNvPr>
@@ -14791,13 +14638,6 @@
   <p:clrMapOvr>
     <a:masterClrMapping/>
   </p:clrMapOvr>
-  <p:timing>
-    <p:tnLst>
-      <p:par>
-        <p:cTn id="1" dur="indefinite" restart="never" nodeType="tmRoot"/>
-      </p:par>
-    </p:tnLst>
-  </p:timing>
 </p:sld>
 </file>
 
@@ -14823,7 +14663,7 @@
           <p:cNvPr id="4" name="流程图: 决策 3">
             <a:extLst>
               <a:ext uri="{FF2B5EF4-FFF2-40B4-BE49-F238E27FC236}">
-                <a16:creationId xmlns="" xmlns:a16="http://schemas.microsoft.com/office/drawing/2014/main" id="{F6105A32-DFD4-4D67-BD99-5504BB9BE424}"/>
+                <a16:creationId xmlns:a16="http://schemas.microsoft.com/office/drawing/2014/main" id="{F6105A32-DFD4-4D67-BD99-5504BB9BE424}"/>
               </a:ext>
             </a:extLst>
           </p:cNvPr>
@@ -14869,7 +14709,7 @@
           <p:cNvPr id="5" name="矩形 4">
             <a:extLst>
               <a:ext uri="{FF2B5EF4-FFF2-40B4-BE49-F238E27FC236}">
-                <a16:creationId xmlns="" xmlns:a16="http://schemas.microsoft.com/office/drawing/2014/main" id="{16DE5B14-79B7-4E3B-B4CB-8DEEAE60428E}"/>
+                <a16:creationId xmlns:a16="http://schemas.microsoft.com/office/drawing/2014/main" id="{16DE5B14-79B7-4E3B-B4CB-8DEEAE60428E}"/>
               </a:ext>
             </a:extLst>
           </p:cNvPr>
@@ -14915,7 +14755,7 @@
           <p:cNvPr id="6" name="箭头: 下 5">
             <a:extLst>
               <a:ext uri="{FF2B5EF4-FFF2-40B4-BE49-F238E27FC236}">
-                <a16:creationId xmlns="" xmlns:a16="http://schemas.microsoft.com/office/drawing/2014/main" id="{5A9E9FE1-48EC-4D70-952F-7F2C554AB003}"/>
+                <a16:creationId xmlns:a16="http://schemas.microsoft.com/office/drawing/2014/main" id="{5A9E9FE1-48EC-4D70-952F-7F2C554AB003}"/>
               </a:ext>
             </a:extLst>
           </p:cNvPr>
@@ -14961,7 +14801,7 @@
           <p:cNvPr id="7" name="箭头: 下 6">
             <a:extLst>
               <a:ext uri="{FF2B5EF4-FFF2-40B4-BE49-F238E27FC236}">
-                <a16:creationId xmlns="" xmlns:a16="http://schemas.microsoft.com/office/drawing/2014/main" id="{584F952E-776A-46C4-B8B3-A33F4C8AA525}"/>
+                <a16:creationId xmlns:a16="http://schemas.microsoft.com/office/drawing/2014/main" id="{584F952E-776A-46C4-B8B3-A33F4C8AA525}"/>
               </a:ext>
             </a:extLst>
           </p:cNvPr>
@@ -15007,7 +14847,7 @@
           <p:cNvPr id="8" name="矩形 7">
             <a:extLst>
               <a:ext uri="{FF2B5EF4-FFF2-40B4-BE49-F238E27FC236}">
-                <a16:creationId xmlns="" xmlns:a16="http://schemas.microsoft.com/office/drawing/2014/main" id="{D8AC455A-179B-43BA-A588-7EED84E843CE}"/>
+                <a16:creationId xmlns:a16="http://schemas.microsoft.com/office/drawing/2014/main" id="{D8AC455A-179B-43BA-A588-7EED84E843CE}"/>
               </a:ext>
             </a:extLst>
           </p:cNvPr>
@@ -15053,7 +14893,7 @@
           <p:cNvPr id="9" name="矩形 8">
             <a:extLst>
               <a:ext uri="{FF2B5EF4-FFF2-40B4-BE49-F238E27FC236}">
-                <a16:creationId xmlns="" xmlns:a16="http://schemas.microsoft.com/office/drawing/2014/main" id="{1BE25FD2-60D7-49A6-9724-6C82109EDF01}"/>
+                <a16:creationId xmlns:a16="http://schemas.microsoft.com/office/drawing/2014/main" id="{1BE25FD2-60D7-49A6-9724-6C82109EDF01}"/>
               </a:ext>
             </a:extLst>
           </p:cNvPr>
@@ -15099,7 +14939,7 @@
           <p:cNvPr id="10" name="箭头: 左 9">
             <a:extLst>
               <a:ext uri="{FF2B5EF4-FFF2-40B4-BE49-F238E27FC236}">
-                <a16:creationId xmlns="" xmlns:a16="http://schemas.microsoft.com/office/drawing/2014/main" id="{6E7CC580-A56D-466D-A613-9665B6D6948A}"/>
+                <a16:creationId xmlns:a16="http://schemas.microsoft.com/office/drawing/2014/main" id="{6E7CC580-A56D-466D-A613-9665B6D6948A}"/>
               </a:ext>
             </a:extLst>
           </p:cNvPr>
@@ -15145,7 +14985,7 @@
           <p:cNvPr id="12" name="矩形 11">
             <a:extLst>
               <a:ext uri="{FF2B5EF4-FFF2-40B4-BE49-F238E27FC236}">
-                <a16:creationId xmlns="" xmlns:a16="http://schemas.microsoft.com/office/drawing/2014/main" id="{3EAB64AA-684A-49E7-938E-F44DC3C4C86D}"/>
+                <a16:creationId xmlns:a16="http://schemas.microsoft.com/office/drawing/2014/main" id="{3EAB64AA-684A-49E7-938E-F44DC3C4C86D}"/>
               </a:ext>
             </a:extLst>
           </p:cNvPr>
@@ -15191,7 +15031,7 @@
           <p:cNvPr id="13" name="文本框 12">
             <a:extLst>
               <a:ext uri="{FF2B5EF4-FFF2-40B4-BE49-F238E27FC236}">
-                <a16:creationId xmlns="" xmlns:a16="http://schemas.microsoft.com/office/drawing/2014/main" id="{7C53F12B-8CB4-484C-BC82-20C7A04A549A}"/>
+                <a16:creationId xmlns:a16="http://schemas.microsoft.com/office/drawing/2014/main" id="{7C53F12B-8CB4-484C-BC82-20C7A04A549A}"/>
               </a:ext>
             </a:extLst>
           </p:cNvPr>
@@ -15226,7 +15066,7 @@
           <p:cNvPr id="14" name="文本框 13">
             <a:extLst>
               <a:ext uri="{FF2B5EF4-FFF2-40B4-BE49-F238E27FC236}">
-                <a16:creationId xmlns="" xmlns:a16="http://schemas.microsoft.com/office/drawing/2014/main" id="{D799ED3A-A643-4CC3-8000-7F1D0AB3815B}"/>
+                <a16:creationId xmlns:a16="http://schemas.microsoft.com/office/drawing/2014/main" id="{D799ED3A-A643-4CC3-8000-7F1D0AB3815B}"/>
               </a:ext>
             </a:extLst>
           </p:cNvPr>
@@ -15261,7 +15101,7 @@
           <p:cNvPr id="15" name="文本框 14">
             <a:extLst>
               <a:ext uri="{FF2B5EF4-FFF2-40B4-BE49-F238E27FC236}">
-                <a16:creationId xmlns="" xmlns:a16="http://schemas.microsoft.com/office/drawing/2014/main" id="{966D98C2-EB83-4124-8B3B-7B269586EEAA}"/>
+                <a16:creationId xmlns:a16="http://schemas.microsoft.com/office/drawing/2014/main" id="{966D98C2-EB83-4124-8B3B-7B269586EEAA}"/>
               </a:ext>
             </a:extLst>
           </p:cNvPr>
@@ -15296,7 +15136,7 @@
           <p:cNvPr id="16" name="文本框 15">
             <a:extLst>
               <a:ext uri="{FF2B5EF4-FFF2-40B4-BE49-F238E27FC236}">
-                <a16:creationId xmlns="" xmlns:a16="http://schemas.microsoft.com/office/drawing/2014/main" id="{6DC9B6DE-31F5-464F-896B-C4C4579D5E5F}"/>
+                <a16:creationId xmlns:a16="http://schemas.microsoft.com/office/drawing/2014/main" id="{6DC9B6DE-31F5-464F-896B-C4C4579D5E5F}"/>
               </a:ext>
             </a:extLst>
           </p:cNvPr>
@@ -15331,7 +15171,7 @@
           <p:cNvPr id="18" name="矩形 17">
             <a:extLst>
               <a:ext uri="{FF2B5EF4-FFF2-40B4-BE49-F238E27FC236}">
-                <a16:creationId xmlns="" xmlns:a16="http://schemas.microsoft.com/office/drawing/2014/main" id="{16DE5B14-79B7-4E3B-B4CB-8DEEAE60428E}"/>
+                <a16:creationId xmlns:a16="http://schemas.microsoft.com/office/drawing/2014/main" id="{16DE5B14-79B7-4E3B-B4CB-8DEEAE60428E}"/>
               </a:ext>
             </a:extLst>
           </p:cNvPr>
@@ -15476,7 +15316,7 @@
           <p:cNvPr id="19" name="文本框 18">
             <a:extLst>
               <a:ext uri="{FF2B5EF4-FFF2-40B4-BE49-F238E27FC236}">
-                <a16:creationId xmlns="" xmlns:a16="http://schemas.microsoft.com/office/drawing/2014/main" id="{A50F6E24-3FE3-4EF7-8084-B947937C7CA3}"/>
+                <a16:creationId xmlns:a16="http://schemas.microsoft.com/office/drawing/2014/main" id="{A50F6E24-3FE3-4EF7-8084-B947937C7CA3}"/>
               </a:ext>
             </a:extLst>
           </p:cNvPr>
@@ -15511,7 +15351,7 @@
           <p:cNvPr id="20" name="矩形 19">
             <a:extLst>
               <a:ext uri="{FF2B5EF4-FFF2-40B4-BE49-F238E27FC236}">
-                <a16:creationId xmlns="" xmlns:a16="http://schemas.microsoft.com/office/drawing/2014/main" id="{8B6D5B23-B352-4E82-9715-77A3F745A47E}"/>
+                <a16:creationId xmlns:a16="http://schemas.microsoft.com/office/drawing/2014/main" id="{8B6D5B23-B352-4E82-9715-77A3F745A47E}"/>
               </a:ext>
             </a:extLst>
           </p:cNvPr>
@@ -15557,7 +15397,7 @@
           <p:cNvPr id="21" name="矩形 20">
             <a:extLst>
               <a:ext uri="{FF2B5EF4-FFF2-40B4-BE49-F238E27FC236}">
-                <a16:creationId xmlns="" xmlns:a16="http://schemas.microsoft.com/office/drawing/2014/main" id="{67F8C8F6-4051-45D8-BF33-218F971DDF63}"/>
+                <a16:creationId xmlns:a16="http://schemas.microsoft.com/office/drawing/2014/main" id="{67F8C8F6-4051-45D8-BF33-218F971DDF63}"/>
               </a:ext>
             </a:extLst>
           </p:cNvPr>
@@ -15603,7 +15443,7 @@
           <p:cNvPr id="22" name="箭头: 右 21">
             <a:extLst>
               <a:ext uri="{FF2B5EF4-FFF2-40B4-BE49-F238E27FC236}">
-                <a16:creationId xmlns="" xmlns:a16="http://schemas.microsoft.com/office/drawing/2014/main" id="{C06D87C5-8E6C-4740-AD51-4208AD39E7D3}"/>
+                <a16:creationId xmlns:a16="http://schemas.microsoft.com/office/drawing/2014/main" id="{C06D87C5-8E6C-4740-AD51-4208AD39E7D3}"/>
               </a:ext>
             </a:extLst>
           </p:cNvPr>
@@ -15649,7 +15489,7 @@
           <p:cNvPr id="23" name="箭头: 下 22">
             <a:extLst>
               <a:ext uri="{FF2B5EF4-FFF2-40B4-BE49-F238E27FC236}">
-                <a16:creationId xmlns="" xmlns:a16="http://schemas.microsoft.com/office/drawing/2014/main" id="{2DB279F5-D8E7-41A6-BE25-E16517699FD2}"/>
+                <a16:creationId xmlns:a16="http://schemas.microsoft.com/office/drawing/2014/main" id="{2DB279F5-D8E7-41A6-BE25-E16517699FD2}"/>
               </a:ext>
             </a:extLst>
           </p:cNvPr>
@@ -15695,7 +15535,7 @@
           <p:cNvPr id="24" name="矩形 23">
             <a:extLst>
               <a:ext uri="{FF2B5EF4-FFF2-40B4-BE49-F238E27FC236}">
-                <a16:creationId xmlns="" xmlns:a16="http://schemas.microsoft.com/office/drawing/2014/main" id="{3C2E5C66-589C-479A-925D-DFDDF3752CB4}"/>
+                <a16:creationId xmlns:a16="http://schemas.microsoft.com/office/drawing/2014/main" id="{3C2E5C66-589C-479A-925D-DFDDF3752CB4}"/>
               </a:ext>
             </a:extLst>
           </p:cNvPr>
@@ -15741,7 +15581,7 @@
           <p:cNvPr id="25" name="文本框 24">
             <a:extLst>
               <a:ext uri="{FF2B5EF4-FFF2-40B4-BE49-F238E27FC236}">
-                <a16:creationId xmlns="" xmlns:a16="http://schemas.microsoft.com/office/drawing/2014/main" id="{E8161D0F-6AC6-4F19-978F-1516C6512835}"/>
+                <a16:creationId xmlns:a16="http://schemas.microsoft.com/office/drawing/2014/main" id="{E8161D0F-6AC6-4F19-978F-1516C6512835}"/>
               </a:ext>
             </a:extLst>
           </p:cNvPr>
@@ -15781,13 +15621,6 @@
   <p:clrMapOvr>
     <a:masterClrMapping/>
   </p:clrMapOvr>
-  <p:timing>
-    <p:tnLst>
-      <p:par>
-        <p:cTn id="1" dur="indefinite" restart="never" nodeType="tmRoot"/>
-      </p:par>
-    </p:tnLst>
-  </p:timing>
 </p:sld>
 </file>
 
@@ -16045,7 +15878,7 @@
   <a:extraClrSchemeLst/>
   <a:extLst>
     <a:ext uri="{05A4C25C-085E-4340-85A3-A5531E510DB2}">
-      <thm15:themeFamily xmlns="" xmlns:thm15="http://schemas.microsoft.com/office/thememl/2012/main" name="Badge" id="{71A07785-5930-41D4-9A83-E23602B48E98}" vid="{771EA782-DFA6-45B1-AEA3-661F1715B310}"/>
+      <thm15:themeFamily xmlns:thm15="http://schemas.microsoft.com/office/thememl/2012/main" name="Badge" id="{71A07785-5930-41D4-9A83-E23602B48E98}" vid="{771EA782-DFA6-45B1-AEA3-661F1715B310}"/>
     </a:ext>
   </a:extLst>
 </a:theme>
@@ -16340,7 +16173,7 @@
   <a:extraClrSchemeLst/>
   <a:extLst>
     <a:ext uri="{05A4C25C-085E-4340-85A3-A5531E510DB2}">
-      <thm15:themeFamily xmlns="" xmlns:thm15="http://schemas.microsoft.com/office/thememl/2012/main" name="Office Theme" id="{62F939B6-93AF-4DB8-9C6B-D6C7DFDC589F}" vid="{4A3C46E8-61CC-4603-A589-7422A47A8E4A}"/>
+      <thm15:themeFamily xmlns:thm15="http://schemas.microsoft.com/office/thememl/2012/main" name="Office Theme" id="{62F939B6-93AF-4DB8-9C6B-D6C7DFDC589F}" vid="{4A3C46E8-61CC-4603-A589-7422A47A8E4A}"/>
     </a:ext>
   </a:extLst>
 </a:theme>
